--- a/slides/3-exo.pptx
+++ b/slides/3-exo.pptx
@@ -5201,7 +5201,7 @@
                   <a:srgbClr val="000000"/>
                 </a:solidFill>
               </a:rPr>
-              <a:t>10.08.2022</a:t>
+              <a:t>04.09.2022</a:t>
             </a:fld>
             <a:endParaRPr lang="de-CH">
               <a:solidFill>
@@ -6400,7 +6400,13 @@
       </p:grpSpPr>
       <p:sp>
         <p:nvSpPr>
-          <p:cNvPr id="2" name="Rectangle 1"/>
+          <p:cNvPr id="6" name="Rectangle 5">
+            <a:extLst>
+              <a:ext uri="{FF2B5EF4-FFF2-40B4-BE49-F238E27FC236}">
+                <a16:creationId xmlns:a16="http://schemas.microsoft.com/office/drawing/2014/main" id="{9AD9D709-7640-4816-BCEB-75EED16EAFFD}"/>
+              </a:ext>
+            </a:extLst>
+          </p:cNvPr>
           <p:cNvSpPr/>
           <p:nvPr/>
         </p:nvSpPr>
@@ -6442,20 +6448,29 @@
           <a:lstStyle/>
           <a:p>
             <a:pPr algn="ctr"/>
-            <a:endParaRPr lang="fr-CH"/>
+            <a:r>
+              <a:rPr lang="fr-CH"/>
+              <a:t>Cas en Coordination BIM, Édition 2022, Module 4</a:t>
+            </a:r>
           </a:p>
         </p:txBody>
       </p:sp>
       <p:sp>
         <p:nvSpPr>
-          <p:cNvPr id="5" name="Rectangle 4"/>
+          <p:cNvPr id="7" name="Rectangle 6">
+            <a:extLst>
+              <a:ext uri="{FF2B5EF4-FFF2-40B4-BE49-F238E27FC236}">
+                <a16:creationId xmlns:a16="http://schemas.microsoft.com/office/drawing/2014/main" id="{1764E5E6-02DC-4687-A80E-BF7578598B62}"/>
+              </a:ext>
+            </a:extLst>
+          </p:cNvPr>
           <p:cNvSpPr/>
           <p:nvPr/>
         </p:nvSpPr>
         <p:spPr>
           <a:xfrm>
-            <a:off x="406400" y="1725584"/>
-            <a:ext cx="7674654" cy="738664"/>
+            <a:off x="239928" y="1598934"/>
+            <a:ext cx="7674654" cy="523220"/>
           </a:xfrm>
           <a:prstGeom prst="rect">
             <a:avLst/>
@@ -6468,14 +6483,8 @@
           <a:lstStyle/>
           <a:p>
             <a:r>
-              <a:rPr lang="fr-CH" b="1" dirty="0"/>
-              <a:t>Matériel du cours :</a:t>
-            </a:r>
-          </a:p>
-          <a:p>
-            <a:r>
-              <a:rPr lang="fr-CH" b="1" dirty="0"/>
-              <a:t> </a:t>
+              <a:rPr lang="fr-CH" dirty="0"/>
+              <a:t>Support du cours + théorie + exercices : </a:t>
             </a:r>
           </a:p>
           <a:p>
@@ -6489,7 +6498,13 @@
       </p:sp>
       <p:pic>
         <p:nvPicPr>
-          <p:cNvPr id="11" name="Picture 10"/>
+          <p:cNvPr id="8" name="Picture 7">
+            <a:extLst>
+              <a:ext uri="{FF2B5EF4-FFF2-40B4-BE49-F238E27FC236}">
+                <a16:creationId xmlns:a16="http://schemas.microsoft.com/office/drawing/2014/main" id="{71D61072-005B-406A-BCFC-B0098A2E7919}"/>
+              </a:ext>
+            </a:extLst>
+          </p:cNvPr>
           <p:cNvPicPr>
             <a:picLocks noChangeAspect="1"/>
           </p:cNvPicPr>
@@ -6519,14 +6534,20 @@
       </p:pic>
       <p:sp>
         <p:nvSpPr>
-          <p:cNvPr id="3" name="TextBox 2"/>
+          <p:cNvPr id="9" name="TextBox 8">
+            <a:extLst>
+              <a:ext uri="{FF2B5EF4-FFF2-40B4-BE49-F238E27FC236}">
+                <a16:creationId xmlns:a16="http://schemas.microsoft.com/office/drawing/2014/main" id="{F27C5ECF-BC71-46D8-8831-B2FF7D980577}"/>
+              </a:ext>
+            </a:extLst>
+          </p:cNvPr>
           <p:cNvSpPr txBox="1"/>
           <p:nvPr/>
         </p:nvSpPr>
         <p:spPr>
           <a:xfrm>
-            <a:off x="406400" y="2329551"/>
-            <a:ext cx="6225978" cy="461665"/>
+            <a:off x="239928" y="1814872"/>
+            <a:ext cx="6225978" cy="584775"/>
           </a:xfrm>
           <a:prstGeom prst="rect">
             <a:avLst/>
@@ -6540,8 +6561,115 @@
           <a:lstStyle/>
           <a:p>
             <a:r>
-              <a:rPr lang="fr-CH" sz="2400" b="1" dirty="0"/>
-              <a:t>http://www.insersa.ch/training/cas_bim/</a:t>
+              <a:rPr lang="fr-CH" sz="3200" dirty="0">
+                <a:hlinkClick r:id="rId4"/>
+              </a:rPr>
+              <a:t>https://regislon.github.io/etl-bim/</a:t>
+            </a:r>
+            <a:endParaRPr lang="fr-CH" sz="2400" b="1" dirty="0"/>
+          </a:p>
+        </p:txBody>
+      </p:sp>
+      <p:pic>
+        <p:nvPicPr>
+          <p:cNvPr id="10" name="Picture 9">
+            <a:extLst>
+              <a:ext uri="{FF2B5EF4-FFF2-40B4-BE49-F238E27FC236}">
+                <a16:creationId xmlns:a16="http://schemas.microsoft.com/office/drawing/2014/main" id="{06834BC8-A04C-4281-8305-8EEB51156DF7}"/>
+              </a:ext>
+            </a:extLst>
+          </p:cNvPr>
+          <p:cNvPicPr>
+            <a:picLocks noChangeAspect="1"/>
+          </p:cNvPicPr>
+          <p:nvPr/>
+        </p:nvPicPr>
+        <p:blipFill>
+          <a:blip r:embed="rId5"/>
+          <a:stretch>
+            <a:fillRect/>
+          </a:stretch>
+        </p:blipFill>
+        <p:spPr>
+          <a:xfrm>
+            <a:off x="239928" y="2484619"/>
+            <a:ext cx="2501484" cy="2501484"/>
+          </a:xfrm>
+          <a:prstGeom prst="rect">
+            <a:avLst/>
+          </a:prstGeom>
+        </p:spPr>
+      </p:pic>
+      <p:sp>
+        <p:nvSpPr>
+          <p:cNvPr id="12" name="TextBox 11">
+            <a:extLst>
+              <a:ext uri="{FF2B5EF4-FFF2-40B4-BE49-F238E27FC236}">
+                <a16:creationId xmlns:a16="http://schemas.microsoft.com/office/drawing/2014/main" id="{405A956F-418D-4EAB-B7A2-BE7EB9619FA5}"/>
+              </a:ext>
+            </a:extLst>
+          </p:cNvPr>
+          <p:cNvSpPr txBox="1"/>
+          <p:nvPr/>
+        </p:nvSpPr>
+        <p:spPr>
+          <a:xfrm>
+            <a:off x="261518" y="330010"/>
+            <a:ext cx="7037797" cy="400110"/>
+          </a:xfrm>
+          <a:prstGeom prst="rect">
+            <a:avLst/>
+          </a:prstGeom>
+          <a:noFill/>
+        </p:spPr>
+        <p:txBody>
+          <a:bodyPr wrap="square" rtlCol="0">
+            <a:spAutoFit/>
+          </a:bodyPr>
+          <a:lstStyle/>
+          <a:p>
+            <a:r>
+              <a:rPr lang="fr-CH" sz="2000" b="1" dirty="0"/>
+              <a:t>Cas en Coordination BIM, Édition 2022, Module 4</a:t>
+            </a:r>
+          </a:p>
+        </p:txBody>
+      </p:sp>
+      <p:sp>
+        <p:nvSpPr>
+          <p:cNvPr id="13" name="TextBox 12">
+            <a:extLst>
+              <a:ext uri="{FF2B5EF4-FFF2-40B4-BE49-F238E27FC236}">
+                <a16:creationId xmlns:a16="http://schemas.microsoft.com/office/drawing/2014/main" id="{19007BC9-1E2D-4F87-ACB7-914E9FA9DF4C}"/>
+              </a:ext>
+            </a:extLst>
+          </p:cNvPr>
+          <p:cNvSpPr txBox="1"/>
+          <p:nvPr/>
+        </p:nvSpPr>
+        <p:spPr>
+          <a:xfrm>
+            <a:off x="261518" y="834305"/>
+            <a:ext cx="8725085" cy="523220"/>
+          </a:xfrm>
+          <a:prstGeom prst="rect">
+            <a:avLst/>
+          </a:prstGeom>
+          <a:noFill/>
+        </p:spPr>
+        <p:txBody>
+          <a:bodyPr wrap="square" rtlCol="0">
+            <a:spAutoFit/>
+          </a:bodyPr>
+          <a:lstStyle/>
+          <a:p>
+            <a:r>
+              <a:rPr lang="fr-CH" sz="2800" b="1" dirty="0" err="1"/>
+              <a:t>Géobim</a:t>
+            </a:r>
+            <a:r>
+              <a:rPr lang="fr-CH" sz="2000" b="1" dirty="0"/>
+              <a:t>: Gestion des données BIM à l'aide d'un logiciel ETL</a:t>
             </a:r>
           </a:p>
         </p:txBody>

--- a/slides/3-exo.pptx
+++ b/slides/3-exo.pptx
@@ -5201,7 +5201,7 @@
                   <a:srgbClr val="000000"/>
                 </a:solidFill>
               </a:rPr>
-              <a:t>04.09.2022</a:t>
+              <a:t>04.09.2025</a:t>
             </a:fld>
             <a:endParaRPr lang="de-CH">
               <a:solidFill>
@@ -6564,18 +6564,92 @@
               <a:rPr lang="fr-CH" sz="3200" dirty="0">
                 <a:hlinkClick r:id="rId4"/>
               </a:rPr>
-              <a:t>https://regislon.github.io/etl-bim/</a:t>
+              <a:t>https://cas-bim.github.io/etl-bim/</a:t>
             </a:r>
             <a:endParaRPr lang="fr-CH" sz="2400" b="1" dirty="0"/>
           </a:p>
         </p:txBody>
       </p:sp>
+      <p:sp>
+        <p:nvSpPr>
+          <p:cNvPr id="12" name="TextBox 11">
+            <a:extLst>
+              <a:ext uri="{FF2B5EF4-FFF2-40B4-BE49-F238E27FC236}">
+                <a16:creationId xmlns:a16="http://schemas.microsoft.com/office/drawing/2014/main" id="{405A956F-418D-4EAB-B7A2-BE7EB9619FA5}"/>
+              </a:ext>
+            </a:extLst>
+          </p:cNvPr>
+          <p:cNvSpPr txBox="1"/>
+          <p:nvPr/>
+        </p:nvSpPr>
+        <p:spPr>
+          <a:xfrm>
+            <a:off x="261518" y="330010"/>
+            <a:ext cx="7037797" cy="400110"/>
+          </a:xfrm>
+          <a:prstGeom prst="rect">
+            <a:avLst/>
+          </a:prstGeom>
+          <a:noFill/>
+        </p:spPr>
+        <p:txBody>
+          <a:bodyPr wrap="square" rtlCol="0">
+            <a:spAutoFit/>
+          </a:bodyPr>
+          <a:lstStyle/>
+          <a:p>
+            <a:r>
+              <a:rPr lang="fr-CH" sz="2000" b="1" dirty="0"/>
+              <a:t>Cas en Coordination BIM, Édition 2022, Module 4</a:t>
+            </a:r>
+          </a:p>
+        </p:txBody>
+      </p:sp>
+      <p:sp>
+        <p:nvSpPr>
+          <p:cNvPr id="13" name="TextBox 12">
+            <a:extLst>
+              <a:ext uri="{FF2B5EF4-FFF2-40B4-BE49-F238E27FC236}">
+                <a16:creationId xmlns:a16="http://schemas.microsoft.com/office/drawing/2014/main" id="{19007BC9-1E2D-4F87-ACB7-914E9FA9DF4C}"/>
+              </a:ext>
+            </a:extLst>
+          </p:cNvPr>
+          <p:cNvSpPr txBox="1"/>
+          <p:nvPr/>
+        </p:nvSpPr>
+        <p:spPr>
+          <a:xfrm>
+            <a:off x="261518" y="834305"/>
+            <a:ext cx="8725085" cy="523220"/>
+          </a:xfrm>
+          <a:prstGeom prst="rect">
+            <a:avLst/>
+          </a:prstGeom>
+          <a:noFill/>
+        </p:spPr>
+        <p:txBody>
+          <a:bodyPr wrap="square" rtlCol="0">
+            <a:spAutoFit/>
+          </a:bodyPr>
+          <a:lstStyle/>
+          <a:p>
+            <a:r>
+              <a:rPr lang="fr-CH" sz="2800" b="1" dirty="0" err="1"/>
+              <a:t>Géobim</a:t>
+            </a:r>
+            <a:r>
+              <a:rPr lang="fr-CH" sz="2000" b="1" dirty="0"/>
+              <a:t>: Gestion des données BIM à l'aide d'un logiciel ETL</a:t>
+            </a:r>
+          </a:p>
+        </p:txBody>
+      </p:sp>
       <p:pic>
         <p:nvPicPr>
-          <p:cNvPr id="10" name="Picture 9">
+          <p:cNvPr id="2" name="Picture 1" descr="A qr code on a white background&#10;&#10;AI-generated content may be incorrect.">
             <a:extLst>
               <a:ext uri="{FF2B5EF4-FFF2-40B4-BE49-F238E27FC236}">
-                <a16:creationId xmlns:a16="http://schemas.microsoft.com/office/drawing/2014/main" id="{06834BC8-A04C-4281-8305-8EEB51156DF7}"/>
+                <a16:creationId xmlns:a16="http://schemas.microsoft.com/office/drawing/2014/main" id="{3EBE44F8-AE56-BBCC-4545-9243600C8726}"/>
               </a:ext>
             </a:extLst>
           </p:cNvPr>
@@ -6592,88 +6666,14 @@
         </p:blipFill>
         <p:spPr>
           <a:xfrm>
-            <a:off x="239928" y="2484619"/>
-            <a:ext cx="2501484" cy="2501484"/>
+            <a:off x="0" y="2329054"/>
+            <a:ext cx="2857500" cy="2857500"/>
           </a:xfrm>
           <a:prstGeom prst="rect">
             <a:avLst/>
           </a:prstGeom>
         </p:spPr>
       </p:pic>
-      <p:sp>
-        <p:nvSpPr>
-          <p:cNvPr id="12" name="TextBox 11">
-            <a:extLst>
-              <a:ext uri="{FF2B5EF4-FFF2-40B4-BE49-F238E27FC236}">
-                <a16:creationId xmlns:a16="http://schemas.microsoft.com/office/drawing/2014/main" id="{405A956F-418D-4EAB-B7A2-BE7EB9619FA5}"/>
-              </a:ext>
-            </a:extLst>
-          </p:cNvPr>
-          <p:cNvSpPr txBox="1"/>
-          <p:nvPr/>
-        </p:nvSpPr>
-        <p:spPr>
-          <a:xfrm>
-            <a:off x="261518" y="330010"/>
-            <a:ext cx="7037797" cy="400110"/>
-          </a:xfrm>
-          <a:prstGeom prst="rect">
-            <a:avLst/>
-          </a:prstGeom>
-          <a:noFill/>
-        </p:spPr>
-        <p:txBody>
-          <a:bodyPr wrap="square" rtlCol="0">
-            <a:spAutoFit/>
-          </a:bodyPr>
-          <a:lstStyle/>
-          <a:p>
-            <a:r>
-              <a:rPr lang="fr-CH" sz="2000" b="1" dirty="0"/>
-              <a:t>Cas en Coordination BIM, Édition 2022, Module 4</a:t>
-            </a:r>
-          </a:p>
-        </p:txBody>
-      </p:sp>
-      <p:sp>
-        <p:nvSpPr>
-          <p:cNvPr id="13" name="TextBox 12">
-            <a:extLst>
-              <a:ext uri="{FF2B5EF4-FFF2-40B4-BE49-F238E27FC236}">
-                <a16:creationId xmlns:a16="http://schemas.microsoft.com/office/drawing/2014/main" id="{19007BC9-1E2D-4F87-ACB7-914E9FA9DF4C}"/>
-              </a:ext>
-            </a:extLst>
-          </p:cNvPr>
-          <p:cNvSpPr txBox="1"/>
-          <p:nvPr/>
-        </p:nvSpPr>
-        <p:spPr>
-          <a:xfrm>
-            <a:off x="261518" y="834305"/>
-            <a:ext cx="8725085" cy="523220"/>
-          </a:xfrm>
-          <a:prstGeom prst="rect">
-            <a:avLst/>
-          </a:prstGeom>
-          <a:noFill/>
-        </p:spPr>
-        <p:txBody>
-          <a:bodyPr wrap="square" rtlCol="0">
-            <a:spAutoFit/>
-          </a:bodyPr>
-          <a:lstStyle/>
-          <a:p>
-            <a:r>
-              <a:rPr lang="fr-CH" sz="2800" b="1" dirty="0" err="1"/>
-              <a:t>Géobim</a:t>
-            </a:r>
-            <a:r>
-              <a:rPr lang="fr-CH" sz="2000" b="1" dirty="0"/>
-              <a:t>: Gestion des données BIM à l'aide d'un logiciel ETL</a:t>
-            </a:r>
-          </a:p>
-        </p:txBody>
-      </p:sp>
     </p:spTree>
     <p:extLst>
       <p:ext uri="{BB962C8B-B14F-4D97-AF65-F5344CB8AC3E}">
@@ -8106,7 +8106,7 @@
               <a:rPr lang="fr-CH" sz="1200" dirty="0">
                 <a:hlinkClick r:id="rId3"/>
               </a:rPr>
-              <a:t>https://regislon.github.io/etl-bim/</a:t>
+              <a:t>https://cas-bim.github.io/etl-bim/</a:t>
             </a:r>
             <a:r>
               <a:rPr lang="fr-CH" sz="1200" dirty="0"/>
